--- a/assets/CleanCode-NET23/lectures/pptx/0-clean-code.pptx
+++ b/assets/CleanCode-NET23/lectures/pptx/0-clean-code.pptx
@@ -253,7 +253,7 @@
           <a:p>
             <a:fld id="{D7148412-6EB1-4CDB-8883-593CA168A782}" type="datetimeFigureOut">
               <a:rPr lang="en-SE" smtClean="0"/>
-              <a:t>2024-10-29</a:t>
+              <a:t>2024-11-01</a:t>
             </a:fld>
             <a:endParaRPr lang="en-SE"/>
           </a:p>
@@ -423,7 +423,7 @@
           <a:p>
             <a:fld id="{D7148412-6EB1-4CDB-8883-593CA168A782}" type="datetimeFigureOut">
               <a:rPr lang="en-SE" smtClean="0"/>
-              <a:t>2024-10-29</a:t>
+              <a:t>2024-11-01</a:t>
             </a:fld>
             <a:endParaRPr lang="en-SE"/>
           </a:p>
@@ -603,7 +603,7 @@
           <a:p>
             <a:fld id="{D7148412-6EB1-4CDB-8883-593CA168A782}" type="datetimeFigureOut">
               <a:rPr lang="en-SE" smtClean="0"/>
-              <a:t>2024-10-29</a:t>
+              <a:t>2024-11-01</a:t>
             </a:fld>
             <a:endParaRPr lang="en-SE"/>
           </a:p>
@@ -773,7 +773,7 @@
           <a:p>
             <a:fld id="{D7148412-6EB1-4CDB-8883-593CA168A782}" type="datetimeFigureOut">
               <a:rPr lang="en-SE" smtClean="0"/>
-              <a:t>2024-10-29</a:t>
+              <a:t>2024-11-01</a:t>
             </a:fld>
             <a:endParaRPr lang="en-SE"/>
           </a:p>
@@ -1019,7 +1019,7 @@
           <a:p>
             <a:fld id="{D7148412-6EB1-4CDB-8883-593CA168A782}" type="datetimeFigureOut">
               <a:rPr lang="en-SE" smtClean="0"/>
-              <a:t>2024-10-29</a:t>
+              <a:t>2024-11-01</a:t>
             </a:fld>
             <a:endParaRPr lang="en-SE"/>
           </a:p>
@@ -1251,7 +1251,7 @@
           <a:p>
             <a:fld id="{D7148412-6EB1-4CDB-8883-593CA168A782}" type="datetimeFigureOut">
               <a:rPr lang="en-SE" smtClean="0"/>
-              <a:t>2024-10-29</a:t>
+              <a:t>2024-11-01</a:t>
             </a:fld>
             <a:endParaRPr lang="en-SE"/>
           </a:p>
@@ -1618,7 +1618,7 @@
           <a:p>
             <a:fld id="{D7148412-6EB1-4CDB-8883-593CA168A782}" type="datetimeFigureOut">
               <a:rPr lang="en-SE" smtClean="0"/>
-              <a:t>2024-10-29</a:t>
+              <a:t>2024-11-01</a:t>
             </a:fld>
             <a:endParaRPr lang="en-SE"/>
           </a:p>
@@ -1736,7 +1736,7 @@
           <a:p>
             <a:fld id="{D7148412-6EB1-4CDB-8883-593CA168A782}" type="datetimeFigureOut">
               <a:rPr lang="en-SE" smtClean="0"/>
-              <a:t>2024-10-29</a:t>
+              <a:t>2024-11-01</a:t>
             </a:fld>
             <a:endParaRPr lang="en-SE"/>
           </a:p>
@@ -1831,7 +1831,7 @@
           <a:p>
             <a:fld id="{D7148412-6EB1-4CDB-8883-593CA168A782}" type="datetimeFigureOut">
               <a:rPr lang="en-SE" smtClean="0"/>
-              <a:t>2024-10-29</a:t>
+              <a:t>2024-11-01</a:t>
             </a:fld>
             <a:endParaRPr lang="en-SE"/>
           </a:p>
@@ -2108,7 +2108,7 @@
           <a:p>
             <a:fld id="{D7148412-6EB1-4CDB-8883-593CA168A782}" type="datetimeFigureOut">
               <a:rPr lang="en-SE" smtClean="0"/>
-              <a:t>2024-10-29</a:t>
+              <a:t>2024-11-01</a:t>
             </a:fld>
             <a:endParaRPr lang="en-SE"/>
           </a:p>
@@ -2365,7 +2365,7 @@
           <a:p>
             <a:fld id="{D7148412-6EB1-4CDB-8883-593CA168A782}" type="datetimeFigureOut">
               <a:rPr lang="en-SE" smtClean="0"/>
-              <a:t>2024-10-29</a:t>
+              <a:t>2024-11-01</a:t>
             </a:fld>
             <a:endParaRPr lang="en-SE"/>
           </a:p>
@@ -2578,7 +2578,7 @@
           <a:p>
             <a:fld id="{D7148412-6EB1-4CDB-8883-593CA168A782}" type="datetimeFigureOut">
               <a:rPr lang="en-SE" smtClean="0"/>
-              <a:t>2024-10-29</a:t>
+              <a:t>2024-11-01</a:t>
             </a:fld>
             <a:endParaRPr lang="en-SE"/>
           </a:p>
@@ -3112,7 +3112,7 @@
               <a:rPr lang="sv-SE" dirty="0">
                 <a:hlinkClick r:id="rId2"/>
               </a:rPr>
-              <a:t>https://github.com/z3ph1/CleanCode-NET23/tree/master/assets/Slides%20(2024)/pdf/5-micro-services-soa.pdf</a:t>
+              <a:t>https://github.com/z3ph1/CleanCode-NET23/blob/master/assets/CleanCode-NET23/lectures/previous%20material/Microservices.pdf</a:t>
             </a:r>
             <a:endParaRPr lang="sv-SE" dirty="0"/>
           </a:p>
@@ -3210,19 +3210,7 @@
               <a:rPr lang="sv-SE" dirty="0">
                 <a:hlinkClick r:id="rId2"/>
               </a:rPr>
-              <a:t>https://github.com/z3ph1/CleanCode-NET23/tree/master/assets/Slides%20(2024)/</a:t>
-            </a:r>
-            <a:r>
-              <a:rPr lang="sv-SE">
-                <a:hlinkClick r:id="rId2"/>
-              </a:rPr>
-              <a:t>pdf/6-containers</a:t>
-            </a:r>
-            <a:r>
-              <a:rPr lang="sv-SE" dirty="0">
-                <a:hlinkClick r:id="rId2"/>
-              </a:rPr>
-              <a:t>.pdf</a:t>
+              <a:t>https://github.com/z3ph1/CleanCode-NET23/tree/master/assets/CleanCode-NET23/lectures/pdf/6-containers.pdf</a:t>
             </a:r>
             <a:endParaRPr lang="sv-SE" dirty="0"/>
           </a:p>
@@ -3686,7 +3674,17 @@
             </a:pPr>
             <a:r>
               <a:rPr lang="sv-SE" sz="2400" dirty="0"/>
-              <a:t>Containers</a:t>
+              <a:t>Docker Containers</a:t>
+            </a:r>
+          </a:p>
+          <a:p>
+            <a:pPr marL="514350" indent="-514350">
+              <a:buFont typeface="+mj-lt"/>
+              <a:buAutoNum type="arabicPeriod"/>
+            </a:pPr>
+            <a:r>
+              <a:rPr lang="sv-SE" sz="2400" dirty="0"/>
+              <a:t>CI/CD, DevOps</a:t>
             </a:r>
           </a:p>
           <a:p>
@@ -3791,7 +3789,7 @@
               <a:rPr lang="sv-SE" dirty="0">
                 <a:hlinkClick r:id="rId2"/>
               </a:rPr>
-              <a:t>https://github.com/z3ph1/CleanCode-NET23/tree/master/assets/Slides%20(2024)/pdf/1-name-conventions.pdf</a:t>
+              <a:t>https://github.com/z3ph1/CleanCode-NET23/tree/master/assets/CleanCode-NET23/lectures/pdf/1-name-conventions.pdf</a:t>
             </a:r>
             <a:endParaRPr lang="sv-SE" dirty="0"/>
           </a:p>
@@ -3890,7 +3888,7 @@
               <a:rPr lang="sv-SE" dirty="0">
                 <a:hlinkClick r:id="rId2"/>
               </a:rPr>
-              <a:t>https://github.com/z3ph1/CleanCode-NET23/tree/master/assets/Slides%20(2024)/pdf/2-design-principles.pdf</a:t>
+              <a:t>https://github.com/z3ph1/CleanCode-NET23/tree/master/assets/CleanCode-NET23/lectures/pdf/2-design-principles.pdf</a:t>
             </a:r>
             <a:endParaRPr lang="sv-SE" dirty="0"/>
           </a:p>
@@ -3991,7 +3989,19 @@
               <a:rPr lang="sv-SE" sz="1800" dirty="0">
                 <a:hlinkClick r:id="rId2"/>
               </a:rPr>
-              <a:t>https://github.com/z3ph1/CleanCode-NET23/tree/master/assets/Slides%20(2024)/pdf/3-tdd.pdf</a:t>
+              <a:t>https://github.com/z3ph1/CleanCode-NET23/tree/master/assets/CleanCode-NET23/lectures/pdf</a:t>
+            </a:r>
+            <a:r>
+              <a:rPr lang="sv-SE" sz="1800" dirty="0">
+                <a:hlinkClick r:id="rId3"/>
+              </a:rPr>
+              <a:t>/</a:t>
+            </a:r>
+            <a:r>
+              <a:rPr lang="sv-SE" sz="1800" dirty="0">
+                <a:hlinkClick r:id="rId4"/>
+              </a:rPr>
+              <a:t>3-tdd.pdf</a:t>
             </a:r>
             <a:endParaRPr lang="sv-SE" sz="1800" dirty="0"/>
           </a:p>
@@ -4250,9 +4260,21 @@
             </a:pPr>
             <a:r>
               <a:rPr lang="sv-SE" sz="1800" dirty="0">
+                <a:hlinkClick r:id="rId2"/>
+              </a:rPr>
+              <a:t>https://github.com/z3ph1/CleanCode-NET23/tree/master/assets/CleanCode-NET23/lectures/pdf</a:t>
+            </a:r>
+            <a:r>
+              <a:rPr lang="sv-SE" sz="1800" dirty="0">
                 <a:hlinkClick r:id="rId3"/>
               </a:rPr>
-              <a:t>https://github.com/z3ph1/CleanCode-NET23/tree/master/assets/Slides%20(2024)/pdf/3-bdd.pdf</a:t>
+              <a:t>/</a:t>
+            </a:r>
+            <a:r>
+              <a:rPr lang="sv-SE" sz="1800" dirty="0">
+                <a:hlinkClick r:id="rId5"/>
+              </a:rPr>
+              <a:t>3-bdd.pdf</a:t>
             </a:r>
             <a:endParaRPr lang="sv-SE" sz="1800" dirty="0"/>
           </a:p>
@@ -4511,9 +4533,21 @@
             </a:pPr>
             <a:r>
               <a:rPr lang="sv-SE" sz="1600" dirty="0">
-                <a:hlinkClick r:id="rId4"/>
+                <a:hlinkClick r:id="rId2"/>
               </a:rPr>
-              <a:t>https://github.com/z3ph1/CleanCode-NET23/tree/master/assets/Slides%20(2024)/pdf/3-diff-tdd-bdd.pdf</a:t>
+              <a:t>https://github.com/z3ph1/CleanCode-NET23/tree/master/assets/CleanCode-NET23/lectures/pdf</a:t>
+            </a:r>
+            <a:r>
+              <a:rPr lang="sv-SE" sz="1600" dirty="0">
+                <a:hlinkClick r:id="rId3"/>
+              </a:rPr>
+              <a:t>/</a:t>
+            </a:r>
+            <a:r>
+              <a:rPr lang="sv-SE" sz="1600" dirty="0">
+                <a:hlinkClick r:id="rId6"/>
+              </a:rPr>
+              <a:t>3-diff-tdd-bdd.pdf</a:t>
             </a:r>
             <a:endParaRPr lang="sv-SE" sz="1600" dirty="0"/>
           </a:p>
@@ -4609,10 +4643,16 @@
               <a:buNone/>
             </a:pPr>
             <a:r>
-              <a:rPr lang="sv-SE" dirty="0">
+              <a:rPr lang="sv-SE" sz="2800" dirty="0">
                 <a:hlinkClick r:id="rId2"/>
               </a:rPr>
-              <a:t>https://github.com/z3ph1/CleanCode-NET23/tree/master/assets/Slides%20(2024)/pdf/4-design-patterns.pdf</a:t>
+              <a:t>https://github.com/z3ph1/CleanCode-NET23/tree/master/assets/CleanCode-NET23/lectures/pdf</a:t>
+            </a:r>
+            <a:r>
+              <a:rPr lang="sv-SE" dirty="0">
+                <a:hlinkClick r:id="rId3"/>
+              </a:rPr>
+              <a:t>/4-design-patterns.pdf</a:t>
             </a:r>
             <a:endParaRPr lang="sv-SE" dirty="0"/>
           </a:p>
